--- a/Offline/TeacherRecruitment/ProspectusForTeachersV1.1.pptx
+++ b/Offline/TeacherRecruitment/ProspectusForTeachersV1.1.pptx
@@ -248,7 +248,7 @@
           <a:p>
             <a:fld id="{0EE359B2-6821-463A-9F55-FBE19028075F}" type="datetimeFigureOut">
               <a:rPr lang="en-AU" smtClean="0"/>
-              <a:t>8/06/2023</a:t>
+              <a:t>13/06/2023</a:t>
             </a:fld>
             <a:endParaRPr lang="en-AU"/>
           </a:p>
@@ -418,7 +418,7 @@
           <a:p>
             <a:fld id="{0EE359B2-6821-463A-9F55-FBE19028075F}" type="datetimeFigureOut">
               <a:rPr lang="en-AU" smtClean="0"/>
-              <a:t>8/06/2023</a:t>
+              <a:t>13/06/2023</a:t>
             </a:fld>
             <a:endParaRPr lang="en-AU"/>
           </a:p>
@@ -598,7 +598,7 @@
           <a:p>
             <a:fld id="{0EE359B2-6821-463A-9F55-FBE19028075F}" type="datetimeFigureOut">
               <a:rPr lang="en-AU" smtClean="0"/>
-              <a:t>8/06/2023</a:t>
+              <a:t>13/06/2023</a:t>
             </a:fld>
             <a:endParaRPr lang="en-AU"/>
           </a:p>
@@ -768,7 +768,7 @@
           <a:p>
             <a:fld id="{0EE359B2-6821-463A-9F55-FBE19028075F}" type="datetimeFigureOut">
               <a:rPr lang="en-AU" smtClean="0"/>
-              <a:t>8/06/2023</a:t>
+              <a:t>13/06/2023</a:t>
             </a:fld>
             <a:endParaRPr lang="en-AU"/>
           </a:p>
@@ -1012,7 +1012,7 @@
           <a:p>
             <a:fld id="{0EE359B2-6821-463A-9F55-FBE19028075F}" type="datetimeFigureOut">
               <a:rPr lang="en-AU" smtClean="0"/>
-              <a:t>8/06/2023</a:t>
+              <a:t>13/06/2023</a:t>
             </a:fld>
             <a:endParaRPr lang="en-AU"/>
           </a:p>
@@ -1244,7 +1244,7 @@
           <a:p>
             <a:fld id="{0EE359B2-6821-463A-9F55-FBE19028075F}" type="datetimeFigureOut">
               <a:rPr lang="en-AU" smtClean="0"/>
-              <a:t>8/06/2023</a:t>
+              <a:t>13/06/2023</a:t>
             </a:fld>
             <a:endParaRPr lang="en-AU"/>
           </a:p>
@@ -1611,7 +1611,7 @@
           <a:p>
             <a:fld id="{0EE359B2-6821-463A-9F55-FBE19028075F}" type="datetimeFigureOut">
               <a:rPr lang="en-AU" smtClean="0"/>
-              <a:t>8/06/2023</a:t>
+              <a:t>13/06/2023</a:t>
             </a:fld>
             <a:endParaRPr lang="en-AU"/>
           </a:p>
@@ -1729,7 +1729,7 @@
           <a:p>
             <a:fld id="{0EE359B2-6821-463A-9F55-FBE19028075F}" type="datetimeFigureOut">
               <a:rPr lang="en-AU" smtClean="0"/>
-              <a:t>8/06/2023</a:t>
+              <a:t>13/06/2023</a:t>
             </a:fld>
             <a:endParaRPr lang="en-AU"/>
           </a:p>
@@ -1824,7 +1824,7 @@
           <a:p>
             <a:fld id="{0EE359B2-6821-463A-9F55-FBE19028075F}" type="datetimeFigureOut">
               <a:rPr lang="en-AU" smtClean="0"/>
-              <a:t>8/06/2023</a:t>
+              <a:t>13/06/2023</a:t>
             </a:fld>
             <a:endParaRPr lang="en-AU"/>
           </a:p>
@@ -2101,7 +2101,7 @@
           <a:p>
             <a:fld id="{0EE359B2-6821-463A-9F55-FBE19028075F}" type="datetimeFigureOut">
               <a:rPr lang="en-AU" smtClean="0"/>
-              <a:t>8/06/2023</a:t>
+              <a:t>13/06/2023</a:t>
             </a:fld>
             <a:endParaRPr lang="en-AU"/>
           </a:p>
@@ -2358,7 +2358,7 @@
           <a:p>
             <a:fld id="{0EE359B2-6821-463A-9F55-FBE19028075F}" type="datetimeFigureOut">
               <a:rPr lang="en-AU" smtClean="0"/>
-              <a:t>8/06/2023</a:t>
+              <a:t>13/06/2023</a:t>
             </a:fld>
             <a:endParaRPr lang="en-AU"/>
           </a:p>
@@ -2571,7 +2571,7 @@
           <a:p>
             <a:fld id="{0EE359B2-6821-463A-9F55-FBE19028075F}" type="datetimeFigureOut">
               <a:rPr lang="en-AU" smtClean="0"/>
-              <a:t>8/06/2023</a:t>
+              <a:t>13/06/2023</a:t>
             </a:fld>
             <a:endParaRPr lang="en-AU"/>
           </a:p>
@@ -3472,538 +3472,36 @@
           </a:p>
         </p:txBody>
       </p:sp>
-      <p:sp>
-        <p:nvSpPr>
-          <p:cNvPr id="13" name="Rounded Rectangle 12"/>
-          <p:cNvSpPr/>
+      <p:pic>
+        <p:nvPicPr>
+          <p:cNvPr id="4" name="Picture 3"/>
+          <p:cNvPicPr>
+            <a:picLocks noChangeAspect="1"/>
+          </p:cNvPicPr>
           <p:nvPr/>
-        </p:nvSpPr>
+        </p:nvPicPr>
+        <p:blipFill>
+          <a:blip r:embed="rId3">
+            <a:extLst>
+              <a:ext uri="{28A0092B-C50C-407E-A947-70E740481C1C}">
+                <a14:useLocalDpi xmlns:a14="http://schemas.microsoft.com/office/drawing/2010/main" val="0"/>
+              </a:ext>
+            </a:extLst>
+          </a:blip>
+          <a:stretch>
+            <a:fillRect/>
+          </a:stretch>
+        </p:blipFill>
         <p:spPr>
           <a:xfrm>
-            <a:off x="1938661" y="2514934"/>
-            <a:ext cx="2988803" cy="1146600"/>
-          </a:xfrm>
-          <a:prstGeom prst="roundRect">
-            <a:avLst>
-              <a:gd name="adj" fmla="val 50000"/>
-            </a:avLst>
-          </a:prstGeom>
-          <a:solidFill>
-            <a:srgbClr val="FF8C52"/>
-          </a:solidFill>
-          <a:ln>
-            <a:noFill/>
-          </a:ln>
-          <a:effectLst>
-            <a:glow rad="254000">
-              <a:srgbClr val="FF8C52"/>
-            </a:glow>
-            <a:softEdge rad="254000"/>
-          </a:effectLst>
-        </p:spPr>
-        <p:style>
-          <a:lnRef idx="2">
-            <a:schemeClr val="accent1">
-              <a:shade val="50000"/>
-            </a:schemeClr>
-          </a:lnRef>
-          <a:fillRef idx="1">
-            <a:schemeClr val="accent1"/>
-          </a:fillRef>
-          <a:effectRef idx="0">
-            <a:schemeClr val="accent1"/>
-          </a:effectRef>
-          <a:fontRef idx="minor">
-            <a:schemeClr val="lt1"/>
-          </a:fontRef>
-        </p:style>
-        <p:txBody>
-          <a:bodyPr rtlCol="0" anchor="ctr"/>
-          <a:lstStyle/>
-          <a:p>
-            <a:pPr algn="ctr"/>
-            <a:endParaRPr lang="en-AU">
-              <a:latin typeface="Oxygen" panose="02000503000000000000" pitchFamily="2" charset="0"/>
-            </a:endParaRPr>
-          </a:p>
-        </p:txBody>
-      </p:sp>
-      <p:sp>
-        <p:nvSpPr>
-          <p:cNvPr id="16" name="TextBox 15"/>
-          <p:cNvSpPr txBox="1"/>
-          <p:nvPr/>
-        </p:nvSpPr>
-        <p:spPr>
-          <a:xfrm>
-            <a:off x="2773910" y="2695614"/>
-            <a:ext cx="2032963" cy="707886"/>
+            <a:off x="1742748" y="2411452"/>
+            <a:ext cx="3505504" cy="1658256"/>
           </a:xfrm>
           <a:prstGeom prst="rect">
             <a:avLst/>
           </a:prstGeom>
-          <a:noFill/>
         </p:spPr>
-        <p:txBody>
-          <a:bodyPr wrap="square" rtlCol="0">
-            <a:spAutoFit/>
-          </a:bodyPr>
-          <a:lstStyle/>
-          <a:p>
-            <a:r>
-              <a:rPr lang="en-US" sz="4000" b="1" dirty="0" smtClean="0">
-                <a:solidFill>
-                  <a:schemeClr val="bg1"/>
-                </a:solidFill>
-                <a:latin typeface="Oxygen" panose="02000503000000000000" pitchFamily="2" charset="0"/>
-              </a:rPr>
-              <a:t>nodiam</a:t>
-            </a:r>
-          </a:p>
-        </p:txBody>
-      </p:sp>
-      <p:sp>
-        <p:nvSpPr>
-          <p:cNvPr id="17" name="TextBox 16"/>
-          <p:cNvSpPr txBox="1"/>
-          <p:nvPr/>
-        </p:nvSpPr>
-        <p:spPr>
-          <a:xfrm>
-            <a:off x="2142310" y="3268979"/>
-            <a:ext cx="2586446" cy="327240"/>
-          </a:xfrm>
-          <a:prstGeom prst="rect">
-            <a:avLst/>
-          </a:prstGeom>
-          <a:noFill/>
-        </p:spPr>
-        <p:txBody>
-          <a:bodyPr wrap="square" rtlCol="0">
-            <a:spAutoFit/>
-          </a:bodyPr>
-          <a:lstStyle/>
-          <a:p>
-            <a:r>
-              <a:rPr lang="en-US" sz="1500" b="1" i="1" dirty="0" smtClean="0">
-                <a:solidFill>
-                  <a:schemeClr val="bg1"/>
-                </a:solidFill>
-                <a:latin typeface="Oxygen" panose="02000503000000000000" pitchFamily="2" charset="0"/>
-              </a:rPr>
-              <a:t>Education that enlightens!</a:t>
-            </a:r>
-          </a:p>
-        </p:txBody>
-      </p:sp>
-      <p:sp>
-        <p:nvSpPr>
-          <p:cNvPr id="18" name="Freeform 17"/>
-          <p:cNvSpPr/>
-          <p:nvPr/>
-        </p:nvSpPr>
-        <p:spPr>
-          <a:xfrm>
-            <a:off x="2176266" y="2670856"/>
-            <a:ext cx="641810" cy="611338"/>
-          </a:xfrm>
-          <a:custGeom>
-            <a:avLst/>
-            <a:gdLst>
-              <a:gd name="connsiteX0" fmla="*/ 1080000 w 2160000"/>
-              <a:gd name="connsiteY0" fmla="*/ 0 h 2160000"/>
-              <a:gd name="connsiteX1" fmla="*/ 2154424 w 2160000"/>
-              <a:gd name="connsiteY1" fmla="*/ 969576 h 2160000"/>
-              <a:gd name="connsiteX2" fmla="*/ 2157027 w 2160000"/>
-              <a:gd name="connsiteY2" fmla="*/ 1021127 h 2160000"/>
-              <a:gd name="connsiteX3" fmla="*/ 2159999 w 2160000"/>
-              <a:gd name="connsiteY3" fmla="*/ 1021127 h 2160000"/>
-              <a:gd name="connsiteX4" fmla="*/ 2159999 w 2160000"/>
-              <a:gd name="connsiteY4" fmla="*/ 1079980 h 2160000"/>
-              <a:gd name="connsiteX5" fmla="*/ 2160000 w 2160000"/>
-              <a:gd name="connsiteY5" fmla="*/ 1080000 h 2160000"/>
-              <a:gd name="connsiteX6" fmla="*/ 2159999 w 2160000"/>
-              <a:gd name="connsiteY6" fmla="*/ 1080021 h 2160000"/>
-              <a:gd name="connsiteX7" fmla="*/ 2159999 w 2160000"/>
-              <a:gd name="connsiteY7" fmla="*/ 1716639 h 2160000"/>
-              <a:gd name="connsiteX8" fmla="*/ 2157838 w 2160000"/>
-              <a:gd name="connsiteY8" fmla="*/ 1716639 h 2160000"/>
-              <a:gd name="connsiteX9" fmla="*/ 2160000 w 2160000"/>
-              <a:gd name="connsiteY9" fmla="*/ 1738544 h 2160000"/>
-              <a:gd name="connsiteX10" fmla="*/ 1891921 w 2160000"/>
-              <a:gd name="connsiteY10" fmla="*/ 2012333 h 2160000"/>
-              <a:gd name="connsiteX11" fmla="*/ 1623842 w 2160000"/>
-              <a:gd name="connsiteY11" fmla="*/ 1738544 h 2160000"/>
-              <a:gd name="connsiteX12" fmla="*/ 1626005 w 2160000"/>
-              <a:gd name="connsiteY12" fmla="*/ 1716639 h 2160000"/>
-              <a:gd name="connsiteX13" fmla="*/ 1620298 w 2160000"/>
-              <a:gd name="connsiteY13" fmla="*/ 1716639 h 2160000"/>
-              <a:gd name="connsiteX14" fmla="*/ 1620298 w 2160000"/>
-              <a:gd name="connsiteY14" fmla="*/ 1090950 h 2160000"/>
-              <a:gd name="connsiteX15" fmla="*/ 1618898 w 2160000"/>
-              <a:gd name="connsiteY15" fmla="*/ 1090937 h 2160000"/>
-              <a:gd name="connsiteX16" fmla="*/ 1620000 w 2160000"/>
-              <a:gd name="connsiteY16" fmla="*/ 1080000 h 2160000"/>
-              <a:gd name="connsiteX17" fmla="*/ 1080000 w 2160000"/>
-              <a:gd name="connsiteY17" fmla="*/ 540000 h 2160000"/>
-              <a:gd name="connsiteX18" fmla="*/ 540000 w 2160000"/>
-              <a:gd name="connsiteY18" fmla="*/ 1080000 h 2160000"/>
-              <a:gd name="connsiteX19" fmla="*/ 1080000 w 2160000"/>
-              <a:gd name="connsiteY19" fmla="*/ 1620000 h 2160000"/>
-              <a:gd name="connsiteX20" fmla="*/ 1172144 w 2160000"/>
-              <a:gd name="connsiteY20" fmla="*/ 1610711 h 2160000"/>
-              <a:gd name="connsiteX21" fmla="*/ 1192722 w 2160000"/>
-              <a:gd name="connsiteY21" fmla="*/ 1599542 h 2160000"/>
-              <a:gd name="connsiteX22" fmla="*/ 1205334 w 2160000"/>
-              <a:gd name="connsiteY22" fmla="*/ 1595627 h 2160000"/>
-              <a:gd name="connsiteX23" fmla="*/ 1218649 w 2160000"/>
-              <a:gd name="connsiteY23" fmla="*/ 1594482 h 2160000"/>
-              <a:gd name="connsiteX24" fmla="*/ 1273176 w 2160000"/>
-              <a:gd name="connsiteY24" fmla="*/ 1581875 h 2160000"/>
-              <a:gd name="connsiteX25" fmla="*/ 1277433 w 2160000"/>
-              <a:gd name="connsiteY25" fmla="*/ 1580379 h 2160000"/>
-              <a:gd name="connsiteX26" fmla="*/ 1297818 w 2160000"/>
-              <a:gd name="connsiteY26" fmla="*/ 1578324 h 2160000"/>
-              <a:gd name="connsiteX27" fmla="*/ 1567818 w 2160000"/>
-              <a:gd name="connsiteY27" fmla="*/ 1848324 h 2160000"/>
-              <a:gd name="connsiteX28" fmla="*/ 1469563 w 2160000"/>
-              <a:gd name="connsiteY28" fmla="*/ 2056669 h 2160000"/>
-              <a:gd name="connsiteX29" fmla="*/ 1412948 w 2160000"/>
-              <a:gd name="connsiteY29" fmla="*/ 2091019 h 2160000"/>
-              <a:gd name="connsiteX30" fmla="*/ 1398272 w 2160000"/>
-              <a:gd name="connsiteY30" fmla="*/ 2101498 h 2160000"/>
-              <a:gd name="connsiteX31" fmla="*/ 1374464 w 2160000"/>
-              <a:gd name="connsiteY31" fmla="*/ 2110955 h 2160000"/>
-              <a:gd name="connsiteX32" fmla="*/ 1376211 w 2160000"/>
-              <a:gd name="connsiteY32" fmla="*/ 2117860 h 2160000"/>
-              <a:gd name="connsiteX33" fmla="*/ 1321962 w 2160000"/>
-              <a:gd name="connsiteY33" fmla="*/ 2131809 h 2160000"/>
-              <a:gd name="connsiteX34" fmla="*/ 1306247 w 2160000"/>
-              <a:gd name="connsiteY34" fmla="*/ 2138051 h 2160000"/>
-              <a:gd name="connsiteX35" fmla="*/ 1267530 w 2160000"/>
-              <a:gd name="connsiteY35" fmla="*/ 2142656 h 2160000"/>
-              <a:gd name="connsiteX36" fmla="*/ 1190424 w 2160000"/>
-              <a:gd name="connsiteY36" fmla="*/ 2154424 h 2160000"/>
-              <a:gd name="connsiteX37" fmla="*/ 1080000 w 2160000"/>
-              <a:gd name="connsiteY37" fmla="*/ 2160000 h 2160000"/>
-              <a:gd name="connsiteX38" fmla="*/ 0 w 2160000"/>
-              <a:gd name="connsiteY38" fmla="*/ 1080000 h 2160000"/>
-              <a:gd name="connsiteX39" fmla="*/ 1080000 w 2160000"/>
-              <a:gd name="connsiteY39" fmla="*/ 0 h 2160000"/>
-            </a:gdLst>
-            <a:ahLst/>
-            <a:cxnLst>
-              <a:cxn ang="0">
-                <a:pos x="connsiteX0" y="connsiteY0"/>
-              </a:cxn>
-              <a:cxn ang="0">
-                <a:pos x="connsiteX1" y="connsiteY1"/>
-              </a:cxn>
-              <a:cxn ang="0">
-                <a:pos x="connsiteX2" y="connsiteY2"/>
-              </a:cxn>
-              <a:cxn ang="0">
-                <a:pos x="connsiteX3" y="connsiteY3"/>
-              </a:cxn>
-              <a:cxn ang="0">
-                <a:pos x="connsiteX4" y="connsiteY4"/>
-              </a:cxn>
-              <a:cxn ang="0">
-                <a:pos x="connsiteX5" y="connsiteY5"/>
-              </a:cxn>
-              <a:cxn ang="0">
-                <a:pos x="connsiteX6" y="connsiteY6"/>
-              </a:cxn>
-              <a:cxn ang="0">
-                <a:pos x="connsiteX7" y="connsiteY7"/>
-              </a:cxn>
-              <a:cxn ang="0">
-                <a:pos x="connsiteX8" y="connsiteY8"/>
-              </a:cxn>
-              <a:cxn ang="0">
-                <a:pos x="connsiteX9" y="connsiteY9"/>
-              </a:cxn>
-              <a:cxn ang="0">
-                <a:pos x="connsiteX10" y="connsiteY10"/>
-              </a:cxn>
-              <a:cxn ang="0">
-                <a:pos x="connsiteX11" y="connsiteY11"/>
-              </a:cxn>
-              <a:cxn ang="0">
-                <a:pos x="connsiteX12" y="connsiteY12"/>
-              </a:cxn>
-              <a:cxn ang="0">
-                <a:pos x="connsiteX13" y="connsiteY13"/>
-              </a:cxn>
-              <a:cxn ang="0">
-                <a:pos x="connsiteX14" y="connsiteY14"/>
-              </a:cxn>
-              <a:cxn ang="0">
-                <a:pos x="connsiteX15" y="connsiteY15"/>
-              </a:cxn>
-              <a:cxn ang="0">
-                <a:pos x="connsiteX16" y="connsiteY16"/>
-              </a:cxn>
-              <a:cxn ang="0">
-                <a:pos x="connsiteX17" y="connsiteY17"/>
-              </a:cxn>
-              <a:cxn ang="0">
-                <a:pos x="connsiteX18" y="connsiteY18"/>
-              </a:cxn>
-              <a:cxn ang="0">
-                <a:pos x="connsiteX19" y="connsiteY19"/>
-              </a:cxn>
-              <a:cxn ang="0">
-                <a:pos x="connsiteX20" y="connsiteY20"/>
-              </a:cxn>
-              <a:cxn ang="0">
-                <a:pos x="connsiteX21" y="connsiteY21"/>
-              </a:cxn>
-              <a:cxn ang="0">
-                <a:pos x="connsiteX22" y="connsiteY22"/>
-              </a:cxn>
-              <a:cxn ang="0">
-                <a:pos x="connsiteX23" y="connsiteY23"/>
-              </a:cxn>
-              <a:cxn ang="0">
-                <a:pos x="connsiteX24" y="connsiteY24"/>
-              </a:cxn>
-              <a:cxn ang="0">
-                <a:pos x="connsiteX25" y="connsiteY25"/>
-              </a:cxn>
-              <a:cxn ang="0">
-                <a:pos x="connsiteX26" y="connsiteY26"/>
-              </a:cxn>
-              <a:cxn ang="0">
-                <a:pos x="connsiteX27" y="connsiteY27"/>
-              </a:cxn>
-              <a:cxn ang="0">
-                <a:pos x="connsiteX28" y="connsiteY28"/>
-              </a:cxn>
-              <a:cxn ang="0">
-                <a:pos x="connsiteX29" y="connsiteY29"/>
-              </a:cxn>
-              <a:cxn ang="0">
-                <a:pos x="connsiteX30" y="connsiteY30"/>
-              </a:cxn>
-              <a:cxn ang="0">
-                <a:pos x="connsiteX31" y="connsiteY31"/>
-              </a:cxn>
-              <a:cxn ang="0">
-                <a:pos x="connsiteX32" y="connsiteY32"/>
-              </a:cxn>
-              <a:cxn ang="0">
-                <a:pos x="connsiteX33" y="connsiteY33"/>
-              </a:cxn>
-              <a:cxn ang="0">
-                <a:pos x="connsiteX34" y="connsiteY34"/>
-              </a:cxn>
-              <a:cxn ang="0">
-                <a:pos x="connsiteX35" y="connsiteY35"/>
-              </a:cxn>
-              <a:cxn ang="0">
-                <a:pos x="connsiteX36" y="connsiteY36"/>
-              </a:cxn>
-              <a:cxn ang="0">
-                <a:pos x="connsiteX37" y="connsiteY37"/>
-              </a:cxn>
-              <a:cxn ang="0">
-                <a:pos x="connsiteX38" y="connsiteY38"/>
-              </a:cxn>
-              <a:cxn ang="0">
-                <a:pos x="connsiteX39" y="connsiteY39"/>
-              </a:cxn>
-            </a:cxnLst>
-            <a:rect l="l" t="t" r="r" b="b"/>
-            <a:pathLst>
-              <a:path w="2160000" h="2160000">
-                <a:moveTo>
-                  <a:pt x="1080000" y="0"/>
-                </a:moveTo>
-                <a:cubicBezTo>
-                  <a:pt x="1639189" y="0"/>
-                  <a:pt x="2099117" y="424979"/>
-                  <a:pt x="2154424" y="969576"/>
-                </a:cubicBezTo>
-                <a:lnTo>
-                  <a:pt x="2157027" y="1021127"/>
-                </a:lnTo>
-                <a:lnTo>
-                  <a:pt x="2159999" y="1021127"/>
-                </a:lnTo>
-                <a:lnTo>
-                  <a:pt x="2159999" y="1079980"/>
-                </a:lnTo>
-                <a:lnTo>
-                  <a:pt x="2160000" y="1080000"/>
-                </a:lnTo>
-                <a:lnTo>
-                  <a:pt x="2159999" y="1080021"/>
-                </a:lnTo>
-                <a:lnTo>
-                  <a:pt x="2159999" y="1716639"/>
-                </a:lnTo>
-                <a:lnTo>
-                  <a:pt x="2157838" y="1716639"/>
-                </a:lnTo>
-                <a:lnTo>
-                  <a:pt x="2160000" y="1738544"/>
-                </a:lnTo>
-                <a:cubicBezTo>
-                  <a:pt x="2160000" y="1889753"/>
-                  <a:pt x="2039977" y="2012333"/>
-                  <a:pt x="1891921" y="2012333"/>
-                </a:cubicBezTo>
-                <a:cubicBezTo>
-                  <a:pt x="1743865" y="2012333"/>
-                  <a:pt x="1623842" y="1889753"/>
-                  <a:pt x="1623842" y="1738544"/>
-                </a:cubicBezTo>
-                <a:lnTo>
-                  <a:pt x="1626005" y="1716639"/>
-                </a:lnTo>
-                <a:lnTo>
-                  <a:pt x="1620298" y="1716639"/>
-                </a:lnTo>
-                <a:lnTo>
-                  <a:pt x="1620298" y="1090950"/>
-                </a:lnTo>
-                <a:lnTo>
-                  <a:pt x="1618898" y="1090937"/>
-                </a:lnTo>
-                <a:lnTo>
-                  <a:pt x="1620000" y="1080000"/>
-                </a:lnTo>
-                <a:cubicBezTo>
-                  <a:pt x="1620000" y="781766"/>
-                  <a:pt x="1378234" y="540000"/>
-                  <a:pt x="1080000" y="540000"/>
-                </a:cubicBezTo>
-                <a:cubicBezTo>
-                  <a:pt x="781766" y="540000"/>
-                  <a:pt x="540000" y="781766"/>
-                  <a:pt x="540000" y="1080000"/>
-                </a:cubicBezTo>
-                <a:cubicBezTo>
-                  <a:pt x="540000" y="1378234"/>
-                  <a:pt x="781766" y="1620000"/>
-                  <a:pt x="1080000" y="1620000"/>
-                </a:cubicBezTo>
-                <a:lnTo>
-                  <a:pt x="1172144" y="1610711"/>
-                </a:lnTo>
-                <a:lnTo>
-                  <a:pt x="1192722" y="1599542"/>
-                </a:lnTo>
-                <a:lnTo>
-                  <a:pt x="1205334" y="1595627"/>
-                </a:lnTo>
-                <a:lnTo>
-                  <a:pt x="1218649" y="1594482"/>
-                </a:lnTo>
-                <a:cubicBezTo>
-                  <a:pt x="1237851" y="1591023"/>
-                  <a:pt x="1256099" y="1586790"/>
-                  <a:pt x="1273176" y="1581875"/>
-                </a:cubicBezTo>
-                <a:lnTo>
-                  <a:pt x="1277433" y="1580379"/>
-                </a:lnTo>
-                <a:lnTo>
-                  <a:pt x="1297818" y="1578324"/>
-                </a:lnTo>
-                <a:cubicBezTo>
-                  <a:pt x="1446935" y="1578324"/>
-                  <a:pt x="1567818" y="1699207"/>
-                  <a:pt x="1567818" y="1848324"/>
-                </a:cubicBezTo>
-                <a:cubicBezTo>
-                  <a:pt x="1567818" y="1932202"/>
-                  <a:pt x="1529570" y="2007147"/>
-                  <a:pt x="1469563" y="2056669"/>
-                </a:cubicBezTo>
-                <a:lnTo>
-                  <a:pt x="1412948" y="2091019"/>
-                </a:lnTo>
-                <a:lnTo>
-                  <a:pt x="1398272" y="2101498"/>
-                </a:lnTo>
-                <a:lnTo>
-                  <a:pt x="1374464" y="2110955"/>
-                </a:lnTo>
-                <a:lnTo>
-                  <a:pt x="1376211" y="2117860"/>
-                </a:lnTo>
-                <a:lnTo>
-                  <a:pt x="1321962" y="2131809"/>
-                </a:lnTo>
-                <a:lnTo>
-                  <a:pt x="1306247" y="2138051"/>
-                </a:lnTo>
-                <a:lnTo>
-                  <a:pt x="1267530" y="2142656"/>
-                </a:lnTo>
-                <a:lnTo>
-                  <a:pt x="1190424" y="2154424"/>
-                </a:lnTo>
-                <a:cubicBezTo>
-                  <a:pt x="1154118" y="2158111"/>
-                  <a:pt x="1117280" y="2160000"/>
-                  <a:pt x="1080000" y="2160000"/>
-                </a:cubicBezTo>
-                <a:cubicBezTo>
-                  <a:pt x="483532" y="2160000"/>
-                  <a:pt x="0" y="1676468"/>
-                  <a:pt x="0" y="1080000"/>
-                </a:cubicBezTo>
-                <a:cubicBezTo>
-                  <a:pt x="0" y="483532"/>
-                  <a:pt x="483532" y="0"/>
-                  <a:pt x="1080000" y="0"/>
-                </a:cubicBezTo>
-                <a:close/>
-              </a:path>
-            </a:pathLst>
-          </a:custGeom>
-          <a:solidFill>
-            <a:schemeClr val="bg1"/>
-          </a:solidFill>
-          <a:ln>
-            <a:solidFill>
-              <a:schemeClr val="bg1"/>
-            </a:solidFill>
-          </a:ln>
-        </p:spPr>
-        <p:style>
-          <a:lnRef idx="2">
-            <a:schemeClr val="accent1">
-              <a:shade val="50000"/>
-            </a:schemeClr>
-          </a:lnRef>
-          <a:fillRef idx="1">
-            <a:schemeClr val="accent1"/>
-          </a:fillRef>
-          <a:effectRef idx="0">
-            <a:schemeClr val="accent1"/>
-          </a:effectRef>
-          <a:fontRef idx="minor">
-            <a:schemeClr val="lt1"/>
-          </a:fontRef>
-        </p:style>
-        <p:txBody>
-          <a:bodyPr rtlCol="0" anchor="ctr"/>
-          <a:lstStyle/>
-          <a:p>
-            <a:pPr marL="285750" indent="-285750" algn="ctr">
-              <a:buFont typeface="Arial" panose="020B0604020202020204" pitchFamily="34" charset="0"/>
-              <a:buChar char="•"/>
-            </a:pPr>
-            <a:endParaRPr lang="en-AU" sz="1796">
-              <a:latin typeface="Oxygen" panose="02000503000000000000" pitchFamily="2" charset="0"/>
-            </a:endParaRPr>
-          </a:p>
-        </p:txBody>
-      </p:sp>
+      </p:pic>
     </p:spTree>
     <p:extLst>
       <p:ext uri="{BB962C8B-B14F-4D97-AF65-F5344CB8AC3E}">
